--- a/SRS/use case v.2.1 .pptx
+++ b/SRS/use case v.2.1 .pptx
@@ -289,7 +289,7 @@
           <a:p>
             <a:fld id="{ADE5272D-563D-F34A-A5C4-46D1B5A0E3F5}" type="datetimeFigureOut">
               <a:rPr lang="en-US" smtClean="0"/>
-              <a:t>12/6/14 </a:t>
+              <a:t>12/18/14 </a:t>
             </a:fld>
             <a:endParaRPr lang="en-US"/>
           </a:p>
@@ -459,7 +459,7 @@
           <a:p>
             <a:fld id="{ADE5272D-563D-F34A-A5C4-46D1B5A0E3F5}" type="datetimeFigureOut">
               <a:rPr lang="en-US" smtClean="0"/>
-              <a:t>12/6/14 </a:t>
+              <a:t>12/18/14 </a:t>
             </a:fld>
             <a:endParaRPr lang="en-US"/>
           </a:p>
@@ -639,7 +639,7 @@
           <a:p>
             <a:fld id="{ADE5272D-563D-F34A-A5C4-46D1B5A0E3F5}" type="datetimeFigureOut">
               <a:rPr lang="en-US" smtClean="0"/>
-              <a:t>12/6/14 </a:t>
+              <a:t>12/18/14 </a:t>
             </a:fld>
             <a:endParaRPr lang="en-US"/>
           </a:p>
@@ -809,7 +809,7 @@
           <a:p>
             <a:fld id="{ADE5272D-563D-F34A-A5C4-46D1B5A0E3F5}" type="datetimeFigureOut">
               <a:rPr lang="en-US" smtClean="0"/>
-              <a:t>12/6/14 </a:t>
+              <a:t>12/18/14 </a:t>
             </a:fld>
             <a:endParaRPr lang="en-US"/>
           </a:p>
@@ -1055,7 +1055,7 @@
           <a:p>
             <a:fld id="{ADE5272D-563D-F34A-A5C4-46D1B5A0E3F5}" type="datetimeFigureOut">
               <a:rPr lang="en-US" smtClean="0"/>
-              <a:t>12/6/14 </a:t>
+              <a:t>12/18/14 </a:t>
             </a:fld>
             <a:endParaRPr lang="en-US"/>
           </a:p>
@@ -1343,7 +1343,7 @@
           <a:p>
             <a:fld id="{ADE5272D-563D-F34A-A5C4-46D1B5A0E3F5}" type="datetimeFigureOut">
               <a:rPr lang="en-US" smtClean="0"/>
-              <a:t>12/6/14 </a:t>
+              <a:t>12/18/14 </a:t>
             </a:fld>
             <a:endParaRPr lang="en-US"/>
           </a:p>
@@ -1765,7 +1765,7 @@
           <a:p>
             <a:fld id="{ADE5272D-563D-F34A-A5C4-46D1B5A0E3F5}" type="datetimeFigureOut">
               <a:rPr lang="en-US" smtClean="0"/>
-              <a:t>12/6/14 </a:t>
+              <a:t>12/18/14 </a:t>
             </a:fld>
             <a:endParaRPr lang="en-US"/>
           </a:p>
@@ -1883,7 +1883,7 @@
           <a:p>
             <a:fld id="{ADE5272D-563D-F34A-A5C4-46D1B5A0E3F5}" type="datetimeFigureOut">
               <a:rPr lang="en-US" smtClean="0"/>
-              <a:t>12/6/14 </a:t>
+              <a:t>12/18/14 </a:t>
             </a:fld>
             <a:endParaRPr lang="en-US"/>
           </a:p>
@@ -1978,7 +1978,7 @@
           <a:p>
             <a:fld id="{ADE5272D-563D-F34A-A5C4-46D1B5A0E3F5}" type="datetimeFigureOut">
               <a:rPr lang="en-US" smtClean="0"/>
-              <a:t>12/6/14 </a:t>
+              <a:t>12/18/14 </a:t>
             </a:fld>
             <a:endParaRPr lang="en-US"/>
           </a:p>
@@ -2255,7 +2255,7 @@
           <a:p>
             <a:fld id="{ADE5272D-563D-F34A-A5C4-46D1B5A0E3F5}" type="datetimeFigureOut">
               <a:rPr lang="en-US" smtClean="0"/>
-              <a:t>12/6/14 </a:t>
+              <a:t>12/18/14 </a:t>
             </a:fld>
             <a:endParaRPr lang="en-US"/>
           </a:p>
@@ -2508,7 +2508,7 @@
           <a:p>
             <a:fld id="{ADE5272D-563D-F34A-A5C4-46D1B5A0E3F5}" type="datetimeFigureOut">
               <a:rPr lang="en-US" smtClean="0"/>
-              <a:t>12/6/14 </a:t>
+              <a:t>12/18/14 </a:t>
             </a:fld>
             <a:endParaRPr lang="en-US"/>
           </a:p>
@@ -2721,7 +2721,7 @@
           <a:p>
             <a:fld id="{ADE5272D-563D-F34A-A5C4-46D1B5A0E3F5}" type="datetimeFigureOut">
               <a:rPr lang="en-US" smtClean="0"/>
-              <a:t>12/6/14 </a:t>
+              <a:t>12/18/14 </a:t>
             </a:fld>
             <a:endParaRPr lang="en-US"/>
           </a:p>
@@ -6024,6 +6024,115 @@
           </a:p>
         </p:txBody>
       </p:sp>
+      <p:cxnSp>
+        <p:nvCxnSpPr>
+          <p:cNvPr id="75" name="Straight Connector 74"/>
+          <p:cNvCxnSpPr/>
+          <p:nvPr/>
+        </p:nvCxnSpPr>
+        <p:spPr>
+          <a:xfrm flipV="1">
+            <a:off x="929202" y="4419455"/>
+            <a:ext cx="0" cy="7802179"/>
+          </a:xfrm>
+          <a:prstGeom prst="line">
+            <a:avLst/>
+          </a:prstGeom>
+          <a:ln w="19050" cmpd="sng">
+            <a:solidFill>
+              <a:schemeClr val="tx1"/>
+            </a:solidFill>
+          </a:ln>
+          <a:effectLst/>
+        </p:spPr>
+        <p:style>
+          <a:lnRef idx="2">
+            <a:schemeClr val="accent1"/>
+          </a:lnRef>
+          <a:fillRef idx="0">
+            <a:schemeClr val="accent1"/>
+          </a:fillRef>
+          <a:effectRef idx="1">
+            <a:schemeClr val="accent1"/>
+          </a:effectRef>
+          <a:fontRef idx="minor">
+            <a:schemeClr val="tx1"/>
+          </a:fontRef>
+        </p:style>
+      </p:cxnSp>
+      <p:cxnSp>
+        <p:nvCxnSpPr>
+          <p:cNvPr id="78" name="Straight Arrow Connector 77"/>
+          <p:cNvCxnSpPr/>
+          <p:nvPr/>
+        </p:nvCxnSpPr>
+        <p:spPr>
+          <a:xfrm>
+            <a:off x="929202" y="4419455"/>
+            <a:ext cx="1006556" cy="0"/>
+          </a:xfrm>
+          <a:prstGeom prst="straightConnector1">
+            <a:avLst/>
+          </a:prstGeom>
+          <a:ln>
+            <a:solidFill>
+              <a:schemeClr val="tx1"/>
+            </a:solidFill>
+            <a:tailEnd type="arrow"/>
+          </a:ln>
+          <a:effectLst/>
+        </p:spPr>
+        <p:style>
+          <a:lnRef idx="2">
+            <a:schemeClr val="accent1"/>
+          </a:lnRef>
+          <a:fillRef idx="0">
+            <a:schemeClr val="accent1"/>
+          </a:fillRef>
+          <a:effectRef idx="1">
+            <a:schemeClr val="accent1"/>
+          </a:effectRef>
+          <a:fontRef idx="minor">
+            <a:schemeClr val="tx1"/>
+          </a:fontRef>
+        </p:style>
+      </p:cxnSp>
+      <p:cxnSp>
+        <p:nvCxnSpPr>
+          <p:cNvPr id="79" name="Straight Connector 78"/>
+          <p:cNvCxnSpPr/>
+          <p:nvPr/>
+        </p:nvCxnSpPr>
+        <p:spPr>
+          <a:xfrm>
+            <a:off x="929202" y="12214222"/>
+            <a:ext cx="808111" cy="7412"/>
+          </a:xfrm>
+          <a:prstGeom prst="line">
+            <a:avLst/>
+          </a:prstGeom>
+          <a:ln w="19050" cmpd="sng">
+            <a:solidFill>
+              <a:schemeClr val="tx1"/>
+            </a:solidFill>
+          </a:ln>
+          <a:effectLst/>
+        </p:spPr>
+        <p:style>
+          <a:lnRef idx="2">
+            <a:schemeClr val="accent1"/>
+          </a:lnRef>
+          <a:fillRef idx="0">
+            <a:schemeClr val="accent1"/>
+          </a:fillRef>
+          <a:effectRef idx="1">
+            <a:schemeClr val="accent1"/>
+          </a:effectRef>
+          <a:fontRef idx="minor">
+            <a:schemeClr val="tx1"/>
+          </a:fontRef>
+        </p:style>
+      </p:cxnSp>
     </p:spTree>
     <p:extLst>
       <p:ext uri="{BB962C8B-B14F-4D97-AF65-F5344CB8AC3E}">
